--- a/TeacherActivitiesAndStudentPerformance.pptx
+++ b/TeacherActivitiesAndStudentPerformance.pptx
@@ -4,17 +4,16 @@
   <p:sldMasterIdLst>
     <p:sldMasterId id="2147484044" r:id="rId1"/>
   </p:sldMasterIdLst>
-  <p:notesMasterIdLst>
-    <p:notesMasterId r:id="rId9"/>
-  </p:notesMasterIdLst>
   <p:sldIdLst>
     <p:sldId id="256" r:id="rId2"/>
     <p:sldId id="258" r:id="rId3"/>
-    <p:sldId id="262" r:id="rId4"/>
-    <p:sldId id="259" r:id="rId5"/>
-    <p:sldId id="261" r:id="rId6"/>
-    <p:sldId id="260" r:id="rId7"/>
-    <p:sldId id="257" r:id="rId8"/>
+    <p:sldId id="264" r:id="rId4"/>
+    <p:sldId id="262" r:id="rId5"/>
+    <p:sldId id="259" r:id="rId6"/>
+    <p:sldId id="261" r:id="rId7"/>
+    <p:sldId id="263" r:id="rId8"/>
+    <p:sldId id="260" r:id="rId9"/>
+    <p:sldId id="257" r:id="rId10"/>
   </p:sldIdLst>
   <p:sldSz cx="9144000" cy="6858000" type="screen4x3"/>
   <p:notesSz cx="6858000" cy="9144000"/>
@@ -116,452 +115,6 @@
 </p:presentation>
 </file>
 
-<file path=ppt/notesMasters/notesMaster1.xml><?xml version="1.0" encoding="utf-8"?>
-<p:notesMaster xmlns:a="http://schemas.openxmlformats.org/drawingml/2006/main" xmlns:r="http://schemas.openxmlformats.org/officeDocument/2006/relationships" xmlns:p="http://schemas.openxmlformats.org/presentationml/2006/main">
-  <p:cSld>
-    <p:bg>
-      <p:bgRef idx="1001">
-        <a:schemeClr val="bg1"/>
-      </p:bgRef>
-    </p:bg>
-    <p:spTree>
-      <p:nvGrpSpPr>
-        <p:cNvPr id="1" name=""/>
-        <p:cNvGrpSpPr/>
-        <p:nvPr/>
-      </p:nvGrpSpPr>
-      <p:grpSpPr>
-        <a:xfrm>
-          <a:off x="0" y="0"/>
-          <a:ext cx="0" cy="0"/>
-          <a:chOff x="0" y="0"/>
-          <a:chExt cx="0" cy="0"/>
-        </a:xfrm>
-      </p:grpSpPr>
-      <p:sp>
-        <p:nvSpPr>
-          <p:cNvPr id="2" name="Header Placeholder 1"/>
-          <p:cNvSpPr>
-            <a:spLocks noGrp="1"/>
-          </p:cNvSpPr>
-          <p:nvPr>
-            <p:ph type="hdr" sz="quarter"/>
-          </p:nvPr>
-        </p:nvSpPr>
-        <p:spPr>
-          <a:xfrm>
-            <a:off x="0" y="0"/>
-            <a:ext cx="2971800" cy="457200"/>
-          </a:xfrm>
-          <a:prstGeom prst="rect">
-            <a:avLst/>
-          </a:prstGeom>
-        </p:spPr>
-        <p:txBody>
-          <a:bodyPr vert="horz" lIns="91440" tIns="45720" rIns="91440" bIns="45720" rtlCol="0"/>
-          <a:lstStyle>
-            <a:lvl1pPr algn="l">
-              <a:defRPr sz="1200"/>
-            </a:lvl1pPr>
-          </a:lstStyle>
-          <a:p>
-            <a:endParaRPr lang="en-US"/>
-          </a:p>
-        </p:txBody>
-      </p:sp>
-      <p:sp>
-        <p:nvSpPr>
-          <p:cNvPr id="3" name="Date Placeholder 2"/>
-          <p:cNvSpPr>
-            <a:spLocks noGrp="1"/>
-          </p:cNvSpPr>
-          <p:nvPr>
-            <p:ph type="dt" idx="1"/>
-          </p:nvPr>
-        </p:nvSpPr>
-        <p:spPr>
-          <a:xfrm>
-            <a:off x="3884613" y="0"/>
-            <a:ext cx="2971800" cy="457200"/>
-          </a:xfrm>
-          <a:prstGeom prst="rect">
-            <a:avLst/>
-          </a:prstGeom>
-        </p:spPr>
-        <p:txBody>
-          <a:bodyPr vert="horz" lIns="91440" tIns="45720" rIns="91440" bIns="45720" rtlCol="0"/>
-          <a:lstStyle>
-            <a:lvl1pPr algn="r">
-              <a:defRPr sz="1200"/>
-            </a:lvl1pPr>
-          </a:lstStyle>
-          <a:p>
-            <a:fld id="{1F1526BF-51C9-8740-9230-E5623568A57A}" type="datetimeFigureOut">
-              <a:rPr lang="en-US" smtClean="0"/>
-              <a:t>6/27/16</a:t>
-            </a:fld>
-            <a:endParaRPr lang="en-US"/>
-          </a:p>
-        </p:txBody>
-      </p:sp>
-      <p:sp>
-        <p:nvSpPr>
-          <p:cNvPr id="4" name="Slide Image Placeholder 3"/>
-          <p:cNvSpPr>
-            <a:spLocks noGrp="1" noRot="1" noChangeAspect="1"/>
-          </p:cNvSpPr>
-          <p:nvPr>
-            <p:ph type="sldImg" idx="2"/>
-          </p:nvPr>
-        </p:nvSpPr>
-        <p:spPr>
-          <a:xfrm>
-            <a:off x="1143000" y="685800"/>
-            <a:ext cx="4572000" cy="3429000"/>
-          </a:xfrm>
-          <a:prstGeom prst="rect">
-            <a:avLst/>
-          </a:prstGeom>
-          <a:noFill/>
-          <a:ln w="12700">
-            <a:solidFill>
-              <a:prstClr val="black"/>
-            </a:solidFill>
-          </a:ln>
-        </p:spPr>
-        <p:txBody>
-          <a:bodyPr vert="horz" lIns="91440" tIns="45720" rIns="91440" bIns="45720" rtlCol="0" anchor="ctr"/>
-          <a:lstStyle/>
-          <a:p>
-            <a:endParaRPr lang="en-US"/>
-          </a:p>
-        </p:txBody>
-      </p:sp>
-      <p:sp>
-        <p:nvSpPr>
-          <p:cNvPr id="5" name="Notes Placeholder 4"/>
-          <p:cNvSpPr>
-            <a:spLocks noGrp="1"/>
-          </p:cNvSpPr>
-          <p:nvPr>
-            <p:ph type="body" sz="quarter" idx="3"/>
-          </p:nvPr>
-        </p:nvSpPr>
-        <p:spPr>
-          <a:xfrm>
-            <a:off x="685800" y="4343400"/>
-            <a:ext cx="5486400" cy="4114800"/>
-          </a:xfrm>
-          <a:prstGeom prst="rect">
-            <a:avLst/>
-          </a:prstGeom>
-        </p:spPr>
-        <p:txBody>
-          <a:bodyPr vert="horz" lIns="91440" tIns="45720" rIns="91440" bIns="45720" rtlCol="0"/>
-          <a:lstStyle/>
-          <a:p>
-            <a:pPr lvl="0"/>
-            <a:r>
-              <a:rPr lang="en-US" smtClean="0"/>
-              <a:t>Click to edit Master text styles</a:t>
-            </a:r>
-          </a:p>
-          <a:p>
-            <a:pPr lvl="1"/>
-            <a:r>
-              <a:rPr lang="en-US" smtClean="0"/>
-              <a:t>Second level</a:t>
-            </a:r>
-          </a:p>
-          <a:p>
-            <a:pPr lvl="2"/>
-            <a:r>
-              <a:rPr lang="en-US" smtClean="0"/>
-              <a:t>Third level</a:t>
-            </a:r>
-          </a:p>
-          <a:p>
-            <a:pPr lvl="3"/>
-            <a:r>
-              <a:rPr lang="en-US" smtClean="0"/>
-              <a:t>Fourth level</a:t>
-            </a:r>
-          </a:p>
-          <a:p>
-            <a:pPr lvl="4"/>
-            <a:r>
-              <a:rPr lang="en-US" smtClean="0"/>
-              <a:t>Fifth level</a:t>
-            </a:r>
-            <a:endParaRPr lang="en-US"/>
-          </a:p>
-        </p:txBody>
-      </p:sp>
-      <p:sp>
-        <p:nvSpPr>
-          <p:cNvPr id="6" name="Footer Placeholder 5"/>
-          <p:cNvSpPr>
-            <a:spLocks noGrp="1"/>
-          </p:cNvSpPr>
-          <p:nvPr>
-            <p:ph type="ftr" sz="quarter" idx="4"/>
-          </p:nvPr>
-        </p:nvSpPr>
-        <p:spPr>
-          <a:xfrm>
-            <a:off x="0" y="8685213"/>
-            <a:ext cx="2971800" cy="457200"/>
-          </a:xfrm>
-          <a:prstGeom prst="rect">
-            <a:avLst/>
-          </a:prstGeom>
-        </p:spPr>
-        <p:txBody>
-          <a:bodyPr vert="horz" lIns="91440" tIns="45720" rIns="91440" bIns="45720" rtlCol="0" anchor="b"/>
-          <a:lstStyle>
-            <a:lvl1pPr algn="l">
-              <a:defRPr sz="1200"/>
-            </a:lvl1pPr>
-          </a:lstStyle>
-          <a:p>
-            <a:endParaRPr lang="en-US"/>
-          </a:p>
-        </p:txBody>
-      </p:sp>
-      <p:sp>
-        <p:nvSpPr>
-          <p:cNvPr id="7" name="Slide Number Placeholder 6"/>
-          <p:cNvSpPr>
-            <a:spLocks noGrp="1"/>
-          </p:cNvSpPr>
-          <p:nvPr>
-            <p:ph type="sldNum" sz="quarter" idx="5"/>
-          </p:nvPr>
-        </p:nvSpPr>
-        <p:spPr>
-          <a:xfrm>
-            <a:off x="3884613" y="8685213"/>
-            <a:ext cx="2971800" cy="457200"/>
-          </a:xfrm>
-          <a:prstGeom prst="rect">
-            <a:avLst/>
-          </a:prstGeom>
-        </p:spPr>
-        <p:txBody>
-          <a:bodyPr vert="horz" lIns="91440" tIns="45720" rIns="91440" bIns="45720" rtlCol="0" anchor="b"/>
-          <a:lstStyle>
-            <a:lvl1pPr algn="r">
-              <a:defRPr sz="1200"/>
-            </a:lvl1pPr>
-          </a:lstStyle>
-          <a:p>
-            <a:fld id="{90C146B3-9ACB-B244-85A6-4B1E144B22E1}" type="slidenum">
-              <a:rPr lang="en-US" smtClean="0"/>
-              <a:t>‹#›</a:t>
-            </a:fld>
-            <a:endParaRPr lang="en-US"/>
-          </a:p>
-        </p:txBody>
-      </p:sp>
-    </p:spTree>
-    <p:extLst>
-      <p:ext uri="{BB962C8B-B14F-4D97-AF65-F5344CB8AC3E}">
-        <p14:creationId xmlns:p14="http://schemas.microsoft.com/office/powerpoint/2010/main" val="1385270516"/>
-      </p:ext>
-    </p:extLst>
-  </p:cSld>
-  <p:clrMap bg1="lt1" tx1="dk1" bg2="lt2" tx2="dk2" accent1="accent1" accent2="accent2" accent3="accent3" accent4="accent4" accent5="accent5" accent6="accent6" hlink="hlink" folHlink="folHlink"/>
-  <p:notesStyle>
-    <a:lvl1pPr marL="0" algn="l" defTabSz="457200" rtl="0" eaLnBrk="1" latinLnBrk="0" hangingPunct="1">
-      <a:defRPr sz="1200" kern="1200">
-        <a:solidFill>
-          <a:schemeClr val="tx1"/>
-        </a:solidFill>
-        <a:latin typeface="+mn-lt"/>
-        <a:ea typeface="+mn-ea"/>
-        <a:cs typeface="+mn-cs"/>
-      </a:defRPr>
-    </a:lvl1pPr>
-    <a:lvl2pPr marL="457200" algn="l" defTabSz="457200" rtl="0" eaLnBrk="1" latinLnBrk="0" hangingPunct="1">
-      <a:defRPr sz="1200" kern="1200">
-        <a:solidFill>
-          <a:schemeClr val="tx1"/>
-        </a:solidFill>
-        <a:latin typeface="+mn-lt"/>
-        <a:ea typeface="+mn-ea"/>
-        <a:cs typeface="+mn-cs"/>
-      </a:defRPr>
-    </a:lvl2pPr>
-    <a:lvl3pPr marL="914400" algn="l" defTabSz="457200" rtl="0" eaLnBrk="1" latinLnBrk="0" hangingPunct="1">
-      <a:defRPr sz="1200" kern="1200">
-        <a:solidFill>
-          <a:schemeClr val="tx1"/>
-        </a:solidFill>
-        <a:latin typeface="+mn-lt"/>
-        <a:ea typeface="+mn-ea"/>
-        <a:cs typeface="+mn-cs"/>
-      </a:defRPr>
-    </a:lvl3pPr>
-    <a:lvl4pPr marL="1371600" algn="l" defTabSz="457200" rtl="0" eaLnBrk="1" latinLnBrk="0" hangingPunct="1">
-      <a:defRPr sz="1200" kern="1200">
-        <a:solidFill>
-          <a:schemeClr val="tx1"/>
-        </a:solidFill>
-        <a:latin typeface="+mn-lt"/>
-        <a:ea typeface="+mn-ea"/>
-        <a:cs typeface="+mn-cs"/>
-      </a:defRPr>
-    </a:lvl4pPr>
-    <a:lvl5pPr marL="1828800" algn="l" defTabSz="457200" rtl="0" eaLnBrk="1" latinLnBrk="0" hangingPunct="1">
-      <a:defRPr sz="1200" kern="1200">
-        <a:solidFill>
-          <a:schemeClr val="tx1"/>
-        </a:solidFill>
-        <a:latin typeface="+mn-lt"/>
-        <a:ea typeface="+mn-ea"/>
-        <a:cs typeface="+mn-cs"/>
-      </a:defRPr>
-    </a:lvl5pPr>
-    <a:lvl6pPr marL="2286000" algn="l" defTabSz="457200" rtl="0" eaLnBrk="1" latinLnBrk="0" hangingPunct="1">
-      <a:defRPr sz="1200" kern="1200">
-        <a:solidFill>
-          <a:schemeClr val="tx1"/>
-        </a:solidFill>
-        <a:latin typeface="+mn-lt"/>
-        <a:ea typeface="+mn-ea"/>
-        <a:cs typeface="+mn-cs"/>
-      </a:defRPr>
-    </a:lvl6pPr>
-    <a:lvl7pPr marL="2743200" algn="l" defTabSz="457200" rtl="0" eaLnBrk="1" latinLnBrk="0" hangingPunct="1">
-      <a:defRPr sz="1200" kern="1200">
-        <a:solidFill>
-          <a:schemeClr val="tx1"/>
-        </a:solidFill>
-        <a:latin typeface="+mn-lt"/>
-        <a:ea typeface="+mn-ea"/>
-        <a:cs typeface="+mn-cs"/>
-      </a:defRPr>
-    </a:lvl7pPr>
-    <a:lvl8pPr marL="3200400" algn="l" defTabSz="457200" rtl="0" eaLnBrk="1" latinLnBrk="0" hangingPunct="1">
-      <a:defRPr sz="1200" kern="1200">
-        <a:solidFill>
-          <a:schemeClr val="tx1"/>
-        </a:solidFill>
-        <a:latin typeface="+mn-lt"/>
-        <a:ea typeface="+mn-ea"/>
-        <a:cs typeface="+mn-cs"/>
-      </a:defRPr>
-    </a:lvl8pPr>
-    <a:lvl9pPr marL="3657600" algn="l" defTabSz="457200" rtl="0" eaLnBrk="1" latinLnBrk="0" hangingPunct="1">
-      <a:defRPr sz="1200" kern="1200">
-        <a:solidFill>
-          <a:schemeClr val="tx1"/>
-        </a:solidFill>
-        <a:latin typeface="+mn-lt"/>
-        <a:ea typeface="+mn-ea"/>
-        <a:cs typeface="+mn-cs"/>
-      </a:defRPr>
-    </a:lvl9pPr>
-  </p:notesStyle>
-</p:notesMaster>
-</file>
-
-<file path=ppt/notesSlides/notesSlide1.xml><?xml version="1.0" encoding="utf-8"?>
-<p:notes xmlns:a="http://schemas.openxmlformats.org/drawingml/2006/main" xmlns:r="http://schemas.openxmlformats.org/officeDocument/2006/relationships" xmlns:p="http://schemas.openxmlformats.org/presentationml/2006/main">
-  <p:cSld>
-    <p:spTree>
-      <p:nvGrpSpPr>
-        <p:cNvPr id="1" name=""/>
-        <p:cNvGrpSpPr/>
-        <p:nvPr/>
-      </p:nvGrpSpPr>
-      <p:grpSpPr>
-        <a:xfrm>
-          <a:off x="0" y="0"/>
-          <a:ext cx="0" cy="0"/>
-          <a:chOff x="0" y="0"/>
-          <a:chExt cx="0" cy="0"/>
-        </a:xfrm>
-      </p:grpSpPr>
-      <p:sp>
-        <p:nvSpPr>
-          <p:cNvPr id="2" name="Slide Image Placeholder 1"/>
-          <p:cNvSpPr>
-            <a:spLocks noGrp="1" noRot="1" noChangeAspect="1"/>
-          </p:cNvSpPr>
-          <p:nvPr>
-            <p:ph type="sldImg"/>
-          </p:nvPr>
-        </p:nvSpPr>
-        <p:spPr/>
-      </p:sp>
-      <p:sp>
-        <p:nvSpPr>
-          <p:cNvPr id="3" name="Notes Placeholder 2"/>
-          <p:cNvSpPr>
-            <a:spLocks noGrp="1"/>
-          </p:cNvSpPr>
-          <p:nvPr>
-            <p:ph type="body" idx="1"/>
-          </p:nvPr>
-        </p:nvSpPr>
-        <p:spPr/>
-        <p:txBody>
-          <a:bodyPr/>
-          <a:lstStyle/>
-          <a:p>
-            <a:r>
-              <a:rPr lang="en-US" dirty="0" smtClean="0"/>
-              <a:t>Mention that OECD data set contains </a:t>
-            </a:r>
-            <a:r>
-              <a:rPr lang="en-US" smtClean="0"/>
-              <a:t>international</a:t>
-            </a:r>
-            <a:r>
-              <a:rPr lang="en-US" baseline="0" smtClean="0"/>
-              <a:t> data</a:t>
-            </a:r>
-            <a:endParaRPr lang="en-US"/>
-          </a:p>
-        </p:txBody>
-      </p:sp>
-      <p:sp>
-        <p:nvSpPr>
-          <p:cNvPr id="4" name="Slide Number Placeholder 3"/>
-          <p:cNvSpPr>
-            <a:spLocks noGrp="1"/>
-          </p:cNvSpPr>
-          <p:nvPr>
-            <p:ph type="sldNum" sz="quarter" idx="10"/>
-          </p:nvPr>
-        </p:nvSpPr>
-        <p:spPr/>
-        <p:txBody>
-          <a:bodyPr/>
-          <a:lstStyle/>
-          <a:p>
-            <a:fld id="{90C146B3-9ACB-B244-85A6-4B1E144B22E1}" type="slidenum">
-              <a:rPr lang="en-US" smtClean="0"/>
-              <a:t>6</a:t>
-            </a:fld>
-            <a:endParaRPr lang="en-US"/>
-          </a:p>
-        </p:txBody>
-      </p:sp>
-    </p:spTree>
-    <p:extLst>
-      <p:ext uri="{BB962C8B-B14F-4D97-AF65-F5344CB8AC3E}">
-        <p14:creationId xmlns:p14="http://schemas.microsoft.com/office/powerpoint/2010/main" val="2025038650"/>
-      </p:ext>
-    </p:extLst>
-  </p:cSld>
-  <p:clrMapOvr>
-    <a:masterClrMapping/>
-  </p:clrMapOvr>
-</p:notes>
-</file>
-
 <file path=ppt/slideLayouts/slideLayout1.xml><?xml version="1.0" encoding="utf-8"?>
 <p:sldLayout xmlns:a="http://schemas.openxmlformats.org/drawingml/2006/main" xmlns:r="http://schemas.openxmlformats.org/officeDocument/2006/relationships" xmlns:p="http://schemas.openxmlformats.org/presentationml/2006/main" type="title" preserve="1">
   <p:cSld name="Title Slide">
@@ -693,7 +246,7 @@
           <a:p>
             <a:fld id="{1BD57267-AC32-48AC-A079-59C96D19EF5C}" type="datetimeFigureOut">
               <a:rPr lang="en-US" smtClean="0"/>
-              <a:t>6/27/16</a:t>
+              <a:t>6/27/2016</a:t>
             </a:fld>
             <a:endParaRPr lang="en-US"/>
           </a:p>
@@ -875,7 +428,7 @@
           <a:p>
             <a:fld id="{1BD57267-AC32-48AC-A079-59C96D19EF5C}" type="datetimeFigureOut">
               <a:rPr lang="en-US" smtClean="0"/>
-              <a:t>6/27/16</a:t>
+              <a:t>6/27/2016</a:t>
             </a:fld>
             <a:endParaRPr lang="en-US"/>
           </a:p>
@@ -1067,7 +620,7 @@
           <a:p>
             <a:fld id="{1BD57267-AC32-48AC-A079-59C96D19EF5C}" type="datetimeFigureOut">
               <a:rPr lang="en-US" smtClean="0"/>
-              <a:t>6/27/16</a:t>
+              <a:t>6/27/2016</a:t>
             </a:fld>
             <a:endParaRPr lang="en-US"/>
           </a:p>
@@ -1249,7 +802,7 @@
           <a:p>
             <a:fld id="{1BD57267-AC32-48AC-A079-59C96D19EF5C}" type="datetimeFigureOut">
               <a:rPr lang="en-US" smtClean="0"/>
-              <a:t>6/27/16</a:t>
+              <a:t>6/27/2016</a:t>
             </a:fld>
             <a:endParaRPr lang="en-US"/>
           </a:p>
@@ -1453,7 +1006,7 @@
           <a:p>
             <a:fld id="{1BD57267-AC32-48AC-A079-59C96D19EF5C}" type="datetimeFigureOut">
               <a:rPr lang="en-US" smtClean="0"/>
-              <a:t>6/27/16</a:t>
+              <a:t>6/27/2016</a:t>
             </a:fld>
             <a:endParaRPr lang="en-US"/>
           </a:p>
@@ -1753,7 +1306,7 @@
           <a:p>
             <a:fld id="{1BD57267-AC32-48AC-A079-59C96D19EF5C}" type="datetimeFigureOut">
               <a:rPr lang="en-US" smtClean="0"/>
-              <a:t>6/27/16</a:t>
+              <a:t>6/27/2016</a:t>
             </a:fld>
             <a:endParaRPr lang="en-US"/>
           </a:p>
@@ -2187,7 +1740,7 @@
           <a:p>
             <a:fld id="{1BD57267-AC32-48AC-A079-59C96D19EF5C}" type="datetimeFigureOut">
               <a:rPr lang="en-US" smtClean="0"/>
-              <a:t>6/27/16</a:t>
+              <a:t>6/27/2016</a:t>
             </a:fld>
             <a:endParaRPr lang="en-US"/>
           </a:p>
@@ -2317,7 +1870,7 @@
           <a:p>
             <a:fld id="{1BD57267-AC32-48AC-A079-59C96D19EF5C}" type="datetimeFigureOut">
               <a:rPr lang="en-US" smtClean="0"/>
-              <a:t>6/27/16</a:t>
+              <a:t>6/27/2016</a:t>
             </a:fld>
             <a:endParaRPr lang="en-US"/>
           </a:p>
@@ -2424,7 +1977,7 @@
           <a:p>
             <a:fld id="{1BD57267-AC32-48AC-A079-59C96D19EF5C}" type="datetimeFigureOut">
               <a:rPr lang="en-US" smtClean="0"/>
-              <a:t>6/27/16</a:t>
+              <a:t>6/27/2016</a:t>
             </a:fld>
             <a:endParaRPr lang="en-US"/>
           </a:p>
@@ -2713,7 +2266,7 @@
           <a:p>
             <a:fld id="{1BD57267-AC32-48AC-A079-59C96D19EF5C}" type="datetimeFigureOut">
               <a:rPr lang="en-US" smtClean="0"/>
-              <a:t>6/27/16</a:t>
+              <a:t>6/27/2016</a:t>
             </a:fld>
             <a:endParaRPr lang="en-US"/>
           </a:p>
@@ -2982,7 +2535,7 @@
           <a:p>
             <a:fld id="{1BD57267-AC32-48AC-A079-59C96D19EF5C}" type="datetimeFigureOut">
               <a:rPr lang="en-US" smtClean="0"/>
-              <a:t>6/27/16</a:t>
+              <a:t>6/27/2016</a:t>
             </a:fld>
             <a:endParaRPr lang="en-US"/>
           </a:p>
@@ -3104,14 +2657,14 @@
           </a:ln>
           <a:effectLst/>
           <a:extLst>
-            <a:ext uri="{909E8E84-426E-40dd-AFC4-6F175D3DCCD1}">
+            <a:ext uri="{909E8E84-426E-40DD-AFC4-6F175D3DCCD1}">
               <a14:hiddenFill xmlns:a14="http://schemas.microsoft.com/office/drawing/2010/main">
                 <a:solidFill>
                   <a:schemeClr val="accent1"/>
                 </a:solidFill>
               </a14:hiddenFill>
             </a:ext>
-            <a:ext uri="{91240B29-F687-4f45-9708-019B960494DF}">
+            <a:ext uri="{91240B29-F687-4F45-9708-019B960494DF}">
               <a14:hiddenLine xmlns:a14="http://schemas.microsoft.com/office/drawing/2010/main" w="9525">
                 <a:solidFill>
                   <a:schemeClr val="tx1"/>
@@ -3121,7 +2674,7 @@
                 <a:tailEnd/>
               </a14:hiddenLine>
             </a:ext>
-            <a:ext uri="{AF507438-7753-43e0-B8FC-AC1667EBCBE1}">
+            <a:ext uri="{AF507438-7753-43E0-B8FC-AC1667EBCBE1}">
               <a14:hiddenEffects xmlns:a14="http://schemas.microsoft.com/office/drawing/2010/main">
                 <a:effectLst>
                   <a:outerShdw dist="35921" dir="2700000" algn="ctr" rotWithShape="0">
@@ -3172,14 +2725,14 @@
           </a:ln>
           <a:effectLst/>
           <a:extLst>
-            <a:ext uri="{909E8E84-426E-40dd-AFC4-6F175D3DCCD1}">
+            <a:ext uri="{909E8E84-426E-40DD-AFC4-6F175D3DCCD1}">
               <a14:hiddenFill xmlns:a14="http://schemas.microsoft.com/office/drawing/2010/main">
                 <a:solidFill>
                   <a:schemeClr val="accent1"/>
                 </a:solidFill>
               </a14:hiddenFill>
             </a:ext>
-            <a:ext uri="{91240B29-F687-4f45-9708-019B960494DF}">
+            <a:ext uri="{91240B29-F687-4F45-9708-019B960494DF}">
               <a14:hiddenLine xmlns:a14="http://schemas.microsoft.com/office/drawing/2010/main" w="9525">
                 <a:solidFill>
                   <a:schemeClr val="tx1"/>
@@ -3189,7 +2742,7 @@
                 <a:tailEnd/>
               </a14:hiddenLine>
             </a:ext>
-            <a:ext uri="{AF507438-7753-43e0-B8FC-AC1667EBCBE1}">
+            <a:ext uri="{AF507438-7753-43E0-B8FC-AC1667EBCBE1}">
               <a14:hiddenEffects xmlns:a14="http://schemas.microsoft.com/office/drawing/2010/main">
                 <a:effectLst>
                   <a:outerShdw dist="35921" dir="2700000" algn="ctr" rotWithShape="0">
@@ -3268,14 +2821,14 @@
           </a:ln>
           <a:effectLst/>
           <a:extLst>
-            <a:ext uri="{909E8E84-426E-40dd-AFC4-6F175D3DCCD1}">
+            <a:ext uri="{909E8E84-426E-40DD-AFC4-6F175D3DCCD1}">
               <a14:hiddenFill xmlns:a14="http://schemas.microsoft.com/office/drawing/2010/main">
                 <a:solidFill>
                   <a:schemeClr val="accent1"/>
                 </a:solidFill>
               </a14:hiddenFill>
             </a:ext>
-            <a:ext uri="{91240B29-F687-4f45-9708-019B960494DF}">
+            <a:ext uri="{91240B29-F687-4F45-9708-019B960494DF}">
               <a14:hiddenLine xmlns:a14="http://schemas.microsoft.com/office/drawing/2010/main" w="9525">
                 <a:solidFill>
                   <a:schemeClr val="tx1"/>
@@ -3285,7 +2838,7 @@
                 <a:tailEnd/>
               </a14:hiddenLine>
             </a:ext>
-            <a:ext uri="{AF507438-7753-43e0-B8FC-AC1667EBCBE1}">
+            <a:ext uri="{AF507438-7753-43E0-B8FC-AC1667EBCBE1}">
               <a14:hiddenEffects xmlns:a14="http://schemas.microsoft.com/office/drawing/2010/main">
                 <a:effectLst>
                   <a:outerShdw dist="35921" dir="2700000" algn="ctr" rotWithShape="0">
@@ -3310,7 +2863,7 @@
           <a:p>
             <a:fld id="{1BD57267-AC32-48AC-A079-59C96D19EF5C}" type="datetimeFigureOut">
               <a:rPr lang="en-US" smtClean="0"/>
-              <a:t>6/27/16</a:t>
+              <a:t>6/27/2016</a:t>
             </a:fld>
             <a:endParaRPr lang="en-US"/>
           </a:p>
@@ -3340,14 +2893,14 @@
           </a:ln>
           <a:effectLst/>
           <a:extLst>
-            <a:ext uri="{909E8E84-426E-40dd-AFC4-6F175D3DCCD1}">
+            <a:ext uri="{909E8E84-426E-40DD-AFC4-6F175D3DCCD1}">
               <a14:hiddenFill xmlns:a14="http://schemas.microsoft.com/office/drawing/2010/main">
                 <a:solidFill>
                   <a:schemeClr val="accent1"/>
                 </a:solidFill>
               </a14:hiddenFill>
             </a:ext>
-            <a:ext uri="{91240B29-F687-4f45-9708-019B960494DF}">
+            <a:ext uri="{91240B29-F687-4F45-9708-019B960494DF}">
               <a14:hiddenLine xmlns:a14="http://schemas.microsoft.com/office/drawing/2010/main" w="9525">
                 <a:solidFill>
                   <a:schemeClr val="tx1"/>
@@ -3357,7 +2910,7 @@
                 <a:tailEnd/>
               </a14:hiddenLine>
             </a:ext>
-            <a:ext uri="{AF507438-7753-43e0-B8FC-AC1667EBCBE1}">
+            <a:ext uri="{AF507438-7753-43E0-B8FC-AC1667EBCBE1}">
               <a14:hiddenEffects xmlns:a14="http://schemas.microsoft.com/office/drawing/2010/main">
                 <a:effectLst>
                   <a:outerShdw dist="35921" dir="2700000" algn="ctr" rotWithShape="0">
@@ -3408,14 +2961,14 @@
           </a:ln>
           <a:effectLst/>
           <a:extLst>
-            <a:ext uri="{909E8E84-426E-40dd-AFC4-6F175D3DCCD1}">
+            <a:ext uri="{909E8E84-426E-40DD-AFC4-6F175D3DCCD1}">
               <a14:hiddenFill xmlns:a14="http://schemas.microsoft.com/office/drawing/2010/main">
                 <a:solidFill>
                   <a:schemeClr val="accent1"/>
                 </a:solidFill>
               </a14:hiddenFill>
             </a:ext>
-            <a:ext uri="{91240B29-F687-4f45-9708-019B960494DF}">
+            <a:ext uri="{91240B29-F687-4F45-9708-019B960494DF}">
               <a14:hiddenLine xmlns:a14="http://schemas.microsoft.com/office/drawing/2010/main" w="9525">
                 <a:solidFill>
                   <a:schemeClr val="tx1"/>
@@ -3425,7 +2978,7 @@
                 <a:tailEnd/>
               </a14:hiddenLine>
             </a:ext>
-            <a:ext uri="{AF507438-7753-43e0-B8FC-AC1667EBCBE1}">
+            <a:ext uri="{AF507438-7753-43E0-B8FC-AC1667EBCBE1}">
               <a14:hiddenEffects xmlns:a14="http://schemas.microsoft.com/office/drawing/2010/main">
                 <a:effectLst>
                   <a:outerShdw dist="35921" dir="2700000" algn="ctr" rotWithShape="0">
@@ -3970,6 +3523,13 @@
   <p:clrMapOvr>
     <a:masterClrMapping/>
   </p:clrMapOvr>
+  <p:timing>
+    <p:tnLst>
+      <p:par>
+        <p:cTn id="1" dur="indefinite" restart="never" nodeType="tmRoot"/>
+      </p:par>
+    </p:tnLst>
+  </p:timing>
 </p:sld>
 </file>
 
@@ -4162,6 +3722,13 @@
   <p:clrMapOvr>
     <a:masterClrMapping/>
   </p:clrMapOvr>
+  <p:timing>
+    <p:tnLst>
+      <p:par>
+        <p:cTn id="1" dur="indefinite" restart="never" nodeType="tmRoot"/>
+      </p:par>
+    </p:tnLst>
+  </p:timing>
 </p:sld>
 </file>
 
@@ -4206,7 +3773,7 @@
                 </a:solidFill>
                 <a:latin typeface="Segoe Print" panose="02000600000000000000" pitchFamily="2" charset="0"/>
               </a:rPr>
-              <a:t>Inquiry #1</a:t>
+              <a:t>The Data</a:t>
             </a:r>
             <a:endParaRPr lang="en-US" dirty="0">
               <a:solidFill>
@@ -4243,10 +3810,53 @@
                 </a:solidFill>
                 <a:latin typeface="Segoe Print" panose="02000600000000000000" pitchFamily="2" charset="0"/>
               </a:rPr>
-              <a:t>Inquiry: What is the effect of hours spent in classroom on student performance?</a:t>
-            </a:r>
-          </a:p>
-          <a:p>
+              <a:t>Various OECD Data Sets</a:t>
+            </a:r>
+          </a:p>
+          <a:p>
+            <a:pPr lvl="1"/>
+            <a:r>
+              <a:rPr lang="en-US" dirty="0" smtClean="0">
+                <a:solidFill>
+                  <a:schemeClr val="bg1">
+                    <a:lumMod val="95000"/>
+                  </a:schemeClr>
+                </a:solidFill>
+                <a:latin typeface="Segoe Print" panose="02000600000000000000" pitchFamily="2" charset="0"/>
+              </a:rPr>
+              <a:t> Number of teachers and students</a:t>
+            </a:r>
+          </a:p>
+          <a:p>
+            <a:pPr lvl="1"/>
+            <a:r>
+              <a:rPr lang="en-US" dirty="0" smtClean="0">
+                <a:solidFill>
+                  <a:schemeClr val="bg1">
+                    <a:lumMod val="95000"/>
+                  </a:schemeClr>
+                </a:solidFill>
+                <a:latin typeface="Segoe Print" panose="02000600000000000000" pitchFamily="2" charset="0"/>
+              </a:rPr>
+              <a:t> Hours spent teaching and preparing</a:t>
+            </a:r>
+          </a:p>
+          <a:p>
+            <a:pPr lvl="1"/>
+            <a:r>
+              <a:rPr lang="en-US" dirty="0" smtClean="0">
+                <a:solidFill>
+                  <a:schemeClr val="bg1">
+                    <a:lumMod val="95000"/>
+                  </a:schemeClr>
+                </a:solidFill>
+                <a:latin typeface="Segoe Print" panose="02000600000000000000" pitchFamily="2" charset="0"/>
+              </a:rPr>
+              <a:t> Student performance</a:t>
+            </a:r>
+          </a:p>
+          <a:p>
+            <a:pPr lvl="1"/>
             <a:endParaRPr lang="en-US" dirty="0" smtClean="0">
               <a:solidFill>
                 <a:schemeClr val="bg1">
@@ -4257,9 +3867,6 @@
             </a:endParaRPr>
           </a:p>
           <a:p>
-            <a:pPr marL="0" indent="0">
-              <a:buNone/>
-            </a:pPr>
             <a:r>
               <a:rPr lang="en-US" dirty="0" smtClean="0">
                 <a:solidFill>
@@ -4269,59 +3876,15 @@
                 </a:solidFill>
                 <a:latin typeface="Segoe Print" panose="02000600000000000000" pitchFamily="2" charset="0"/>
               </a:rPr>
-              <a:t>Hypothesis:</a:t>
-            </a:r>
-          </a:p>
-          <a:p>
-            <a:pPr lvl="1"/>
-            <a:r>
-              <a:rPr lang="en-US" dirty="0" smtClean="0">
-                <a:solidFill>
-                  <a:schemeClr val="bg1">
-                    <a:lumMod val="95000"/>
-                  </a:schemeClr>
-                </a:solidFill>
-                <a:latin typeface="Segoe Print" panose="02000600000000000000" pitchFamily="2" charset="0"/>
-              </a:rPr>
-              <a:t>Student </a:t>
-            </a:r>
-            <a:r>
-              <a:rPr lang="en-US" dirty="0">
-                <a:solidFill>
-                  <a:schemeClr val="bg1">
-                    <a:lumMod val="95000"/>
-                  </a:schemeClr>
-                </a:solidFill>
-                <a:latin typeface="Segoe Print" panose="02000600000000000000" pitchFamily="2" charset="0"/>
-              </a:rPr>
-              <a:t>performance increases </a:t>
-            </a:r>
-            <a:r>
-              <a:rPr lang="en-US" dirty="0" smtClean="0">
-                <a:solidFill>
-                  <a:schemeClr val="bg1">
-                    <a:lumMod val="95000"/>
-                  </a:schemeClr>
-                </a:solidFill>
-                <a:latin typeface="Segoe Print" panose="02000600000000000000" pitchFamily="2" charset="0"/>
-              </a:rPr>
-              <a:t>with more time spent in classroom.</a:t>
-            </a:r>
-            <a:endParaRPr lang="en-US" dirty="0">
-              <a:solidFill>
-                <a:schemeClr val="bg1">
-                  <a:lumMod val="95000"/>
-                </a:schemeClr>
-              </a:solidFill>
-              <a:latin typeface="Segoe Print" panose="02000600000000000000" pitchFamily="2" charset="0"/>
-            </a:endParaRPr>
+              <a:t>All data is stratified by country</a:t>
+            </a:r>
           </a:p>
         </p:txBody>
       </p:sp>
     </p:spTree>
     <p:extLst>
       <p:ext uri="{BB962C8B-B14F-4D97-AF65-F5344CB8AC3E}">
-        <p14:creationId xmlns:p14="http://schemas.microsoft.com/office/powerpoint/2010/main" val="2576970305"/>
+        <p14:creationId xmlns:p14="http://schemas.microsoft.com/office/powerpoint/2010/main" val="3767423819"/>
       </p:ext>
     </p:extLst>
   </p:cSld>
@@ -4372,7 +3935,7 @@
                 </a:solidFill>
                 <a:latin typeface="Segoe Print" panose="02000600000000000000" pitchFamily="2" charset="0"/>
               </a:rPr>
-              <a:t>Inquiry #2</a:t>
+              <a:t>Inquiry #1</a:t>
             </a:r>
             <a:endParaRPr lang="en-US" dirty="0">
               <a:solidFill>
@@ -4400,6 +3963,9 @@
           <a:bodyPr/>
           <a:lstStyle/>
           <a:p>
+            <a:pPr marL="0" indent="0">
+              <a:buNone/>
+            </a:pPr>
             <a:r>
               <a:rPr lang="en-US" dirty="0" smtClean="0">
                 <a:solidFill>
@@ -4409,54 +3975,8 @@
                 </a:solidFill>
                 <a:latin typeface="Segoe Print" panose="02000600000000000000" pitchFamily="2" charset="0"/>
               </a:rPr>
-              <a:t>Inquiry: Which </a:t>
-            </a:r>
-            <a:r>
-              <a:rPr lang="en-US" dirty="0">
-                <a:solidFill>
-                  <a:schemeClr val="bg1">
-                    <a:lumMod val="95000"/>
-                  </a:schemeClr>
-                </a:solidFill>
-                <a:latin typeface="Segoe Print" panose="02000600000000000000" pitchFamily="2" charset="0"/>
-              </a:rPr>
-              <a:t>drives academic performance more </a:t>
-            </a:r>
-            <a:r>
-              <a:rPr lang="en-US" dirty="0" smtClean="0">
-                <a:solidFill>
-                  <a:schemeClr val="bg1">
-                    <a:lumMod val="95000"/>
-                  </a:schemeClr>
-                </a:solidFill>
-                <a:latin typeface="Segoe Print" panose="02000600000000000000" pitchFamily="2" charset="0"/>
-              </a:rPr>
-              <a:t>strongly: </a:t>
-            </a:r>
-            <a:r>
-              <a:rPr lang="en-US" dirty="0">
-                <a:solidFill>
-                  <a:schemeClr val="bg1">
-                    <a:lumMod val="95000"/>
-                  </a:schemeClr>
-                </a:solidFill>
-                <a:latin typeface="Segoe Print" panose="02000600000000000000" pitchFamily="2" charset="0"/>
-              </a:rPr>
-              <a:t>preparation time or teaching </a:t>
-            </a:r>
-            <a:r>
-              <a:rPr lang="en-US" dirty="0" smtClean="0">
-                <a:solidFill>
-                  <a:schemeClr val="bg1">
-                    <a:lumMod val="95000"/>
-                  </a:schemeClr>
-                </a:solidFill>
-                <a:latin typeface="Segoe Print" panose="02000600000000000000" pitchFamily="2" charset="0"/>
-              </a:rPr>
-              <a:t>time?</a:t>
-            </a:r>
-          </a:p>
-          <a:p>
+              <a:t>Inquiry: </a:t>
+            </a:r>
             <a:endParaRPr lang="en-US" dirty="0" smtClean="0">
               <a:solidFill>
                 <a:schemeClr val="bg1">
@@ -4467,9 +3987,7 @@
             </a:endParaRPr>
           </a:p>
           <a:p>
-            <a:pPr marL="0" indent="0">
-              <a:buNone/>
-            </a:pPr>
+            <a:pPr lvl="1"/>
             <a:r>
               <a:rPr lang="en-US" dirty="0" smtClean="0">
                 <a:solidFill>
@@ -4479,11 +3997,8 @@
                 </a:solidFill>
                 <a:latin typeface="Segoe Print" panose="02000600000000000000" pitchFamily="2" charset="0"/>
               </a:rPr>
-              <a:t>Hypothesis:</a:t>
-            </a:r>
-          </a:p>
-          <a:p>
-            <a:pPr lvl="1"/>
+              <a:t>What </a:t>
+            </a:r>
             <a:r>
               <a:rPr lang="en-US" dirty="0" smtClean="0">
                 <a:solidFill>
@@ -4493,18 +4008,7 @@
                 </a:solidFill>
                 <a:latin typeface="Segoe Print" panose="02000600000000000000" pitchFamily="2" charset="0"/>
               </a:rPr>
-              <a:t>Student </a:t>
-            </a:r>
-            <a:r>
-              <a:rPr lang="en-US" dirty="0">
-                <a:solidFill>
-                  <a:schemeClr val="bg1">
-                    <a:lumMod val="95000"/>
-                  </a:schemeClr>
-                </a:solidFill>
-                <a:latin typeface="Segoe Print" panose="02000600000000000000" pitchFamily="2" charset="0"/>
-              </a:rPr>
-              <a:t>performance </a:t>
+              <a:t>is the effect of hours spent in classroom on student </a:t>
             </a:r>
             <a:r>
               <a:rPr lang="en-US" dirty="0" smtClean="0">
@@ -4515,52 +4019,10 @@
                 </a:solidFill>
                 <a:latin typeface="Segoe Print" panose="02000600000000000000" pitchFamily="2" charset="0"/>
               </a:rPr>
-              <a:t>increases with </a:t>
-            </a:r>
-            <a:r>
-              <a:rPr lang="en-US" dirty="0">
-                <a:solidFill>
-                  <a:schemeClr val="bg1">
-                    <a:lumMod val="95000"/>
-                  </a:schemeClr>
-                </a:solidFill>
-                <a:latin typeface="Segoe Print" panose="02000600000000000000" pitchFamily="2" charset="0"/>
-              </a:rPr>
-              <a:t>more </a:t>
-            </a:r>
-            <a:r>
-              <a:rPr lang="en-US" dirty="0" smtClean="0">
-                <a:solidFill>
-                  <a:schemeClr val="bg1">
-                    <a:lumMod val="95000"/>
-                  </a:schemeClr>
-                </a:solidFill>
-                <a:latin typeface="Segoe Print" panose="02000600000000000000" pitchFamily="2" charset="0"/>
-              </a:rPr>
-              <a:t>teacher preparation </a:t>
-            </a:r>
-            <a:r>
-              <a:rPr lang="en-US" dirty="0">
-                <a:solidFill>
-                  <a:schemeClr val="bg1">
-                    <a:lumMod val="95000"/>
-                  </a:schemeClr>
-                </a:solidFill>
-                <a:latin typeface="Segoe Print" panose="02000600000000000000" pitchFamily="2" charset="0"/>
-              </a:rPr>
-              <a:t>time</a:t>
-            </a:r>
-            <a:r>
-              <a:rPr lang="en-US" dirty="0" smtClean="0">
-                <a:solidFill>
-                  <a:schemeClr val="bg1">
-                    <a:lumMod val="95000"/>
-                  </a:schemeClr>
-                </a:solidFill>
-                <a:latin typeface="Segoe Print" panose="02000600000000000000" pitchFamily="2" charset="0"/>
-              </a:rPr>
-              <a:t>.</a:t>
-            </a:r>
+              <a:t>performance?</a:t>
+            </a:r>
+          </a:p>
+          <a:p>
             <a:endParaRPr lang="en-US" dirty="0">
               <a:solidFill>
                 <a:schemeClr val="bg1">
@@ -4570,18 +4032,96 @@
               <a:latin typeface="Segoe Print" panose="02000600000000000000" pitchFamily="2" charset="0"/>
             </a:endParaRPr>
           </a:p>
+          <a:p>
+            <a:pPr marL="0" indent="0">
+              <a:buNone/>
+            </a:pPr>
+            <a:r>
+              <a:rPr lang="en-US" dirty="0" smtClean="0">
+                <a:solidFill>
+                  <a:schemeClr val="bg1">
+                    <a:lumMod val="95000"/>
+                  </a:schemeClr>
+                </a:solidFill>
+                <a:latin typeface="Segoe Print" panose="02000600000000000000" pitchFamily="2" charset="0"/>
+              </a:rPr>
+              <a:t>Hypothesis</a:t>
+            </a:r>
+            <a:r>
+              <a:rPr lang="en-US" dirty="0" smtClean="0">
+                <a:solidFill>
+                  <a:schemeClr val="bg1">
+                    <a:lumMod val="95000"/>
+                  </a:schemeClr>
+                </a:solidFill>
+                <a:latin typeface="Segoe Print" panose="02000600000000000000" pitchFamily="2" charset="0"/>
+              </a:rPr>
+              <a:t>:</a:t>
+            </a:r>
+          </a:p>
+          <a:p>
+            <a:pPr lvl="1"/>
+            <a:r>
+              <a:rPr lang="en-US" dirty="0" smtClean="0">
+                <a:solidFill>
+                  <a:schemeClr val="bg1">
+                    <a:lumMod val="95000"/>
+                  </a:schemeClr>
+                </a:solidFill>
+                <a:latin typeface="Segoe Print" panose="02000600000000000000" pitchFamily="2" charset="0"/>
+              </a:rPr>
+              <a:t>Student </a:t>
+            </a:r>
+            <a:r>
+              <a:rPr lang="en-US" dirty="0">
+                <a:solidFill>
+                  <a:schemeClr val="bg1">
+                    <a:lumMod val="95000"/>
+                  </a:schemeClr>
+                </a:solidFill>
+                <a:latin typeface="Segoe Print" panose="02000600000000000000" pitchFamily="2" charset="0"/>
+              </a:rPr>
+              <a:t>performance increases </a:t>
+            </a:r>
+            <a:r>
+              <a:rPr lang="en-US" dirty="0" smtClean="0">
+                <a:solidFill>
+                  <a:schemeClr val="bg1">
+                    <a:lumMod val="95000"/>
+                  </a:schemeClr>
+                </a:solidFill>
+                <a:latin typeface="Segoe Print" panose="02000600000000000000" pitchFamily="2" charset="0"/>
+              </a:rPr>
+              <a:t>with more time spent in classroom.</a:t>
+            </a:r>
+            <a:endParaRPr lang="en-US" dirty="0">
+              <a:solidFill>
+                <a:schemeClr val="bg1">
+                  <a:lumMod val="95000"/>
+                </a:schemeClr>
+              </a:solidFill>
+              <a:latin typeface="Segoe Print" panose="02000600000000000000" pitchFamily="2" charset="0"/>
+            </a:endParaRPr>
+          </a:p>
         </p:txBody>
       </p:sp>
     </p:spTree>
     <p:extLst>
       <p:ext uri="{BB962C8B-B14F-4D97-AF65-F5344CB8AC3E}">
-        <p14:creationId xmlns:p14="http://schemas.microsoft.com/office/powerpoint/2010/main" val="410843956"/>
+        <p14:creationId xmlns:p14="http://schemas.microsoft.com/office/powerpoint/2010/main" val="2576970305"/>
       </p:ext>
     </p:extLst>
   </p:cSld>
   <p:clrMapOvr>
     <a:masterClrMapping/>
   </p:clrMapOvr>
+  <p:timing>
+    <p:tnLst>
+      <p:par>
+        <p:cTn id="1" dur="indefinite" restart="never" nodeType="tmRoot"/>
+      </p:par>
+    </p:tnLst>
+  </p:timing>
 </p:sld>
 </file>
 
@@ -4626,7 +4166,7 @@
                 </a:solidFill>
                 <a:latin typeface="Segoe Print" panose="02000600000000000000" pitchFamily="2" charset="0"/>
               </a:rPr>
-              <a:t>Inquiry #3</a:t>
+              <a:t>Inquiry #2</a:t>
             </a:r>
             <a:endParaRPr lang="en-US" dirty="0">
               <a:solidFill>
@@ -4654,6 +4194,9 @@
           <a:bodyPr/>
           <a:lstStyle/>
           <a:p>
+            <a:pPr marL="0" indent="0">
+              <a:buNone/>
+            </a:pPr>
             <a:r>
               <a:rPr lang="en-US" dirty="0" smtClean="0">
                 <a:solidFill>
@@ -4663,10 +4206,8 @@
                 </a:solidFill>
                 <a:latin typeface="Segoe Print" panose="02000600000000000000" pitchFamily="2" charset="0"/>
               </a:rPr>
-              <a:t>Inquiry: What is the impact of teacher hours per student on educational preparedness in students?</a:t>
-            </a:r>
-          </a:p>
-          <a:p>
+              <a:t>Inquiry: </a:t>
+            </a:r>
             <a:endParaRPr lang="en-US" dirty="0" smtClean="0">
               <a:solidFill>
                 <a:schemeClr val="bg1">
@@ -4677,9 +4218,7 @@
             </a:endParaRPr>
           </a:p>
           <a:p>
-            <a:pPr marL="0" indent="0">
-              <a:buNone/>
-            </a:pPr>
+            <a:pPr lvl="1"/>
             <a:r>
               <a:rPr lang="en-US" dirty="0" smtClean="0">
                 <a:solidFill>
@@ -4689,11 +4228,30 @@
                 </a:solidFill>
                 <a:latin typeface="Segoe Print" panose="02000600000000000000" pitchFamily="2" charset="0"/>
               </a:rPr>
-              <a:t>Hypothesis:</a:t>
-            </a:r>
-          </a:p>
-          <a:p>
-            <a:pPr lvl="1"/>
+              <a:t>Which </a:t>
+            </a:r>
+            <a:r>
+              <a:rPr lang="en-US" dirty="0">
+                <a:solidFill>
+                  <a:schemeClr val="bg1">
+                    <a:lumMod val="95000"/>
+                  </a:schemeClr>
+                </a:solidFill>
+                <a:latin typeface="Segoe Print" panose="02000600000000000000" pitchFamily="2" charset="0"/>
+              </a:rPr>
+              <a:t>drives </a:t>
+            </a:r>
+            <a:r>
+              <a:rPr lang="en-US" dirty="0">
+                <a:solidFill>
+                  <a:schemeClr val="bg1">
+                    <a:lumMod val="95000"/>
+                  </a:schemeClr>
+                </a:solidFill>
+                <a:latin typeface="Segoe Print" panose="02000600000000000000" pitchFamily="2" charset="0"/>
+              </a:rPr>
+              <a:t>student performance more </a:t>
+            </a:r>
             <a:r>
               <a:rPr lang="en-US" dirty="0" smtClean="0">
                 <a:solidFill>
@@ -4703,7 +4261,7 @@
                 </a:solidFill>
                 <a:latin typeface="Segoe Print" panose="02000600000000000000" pitchFamily="2" charset="0"/>
               </a:rPr>
-              <a:t>Student </a:t>
+              <a:t>strongly: </a:t>
             </a:r>
             <a:r>
               <a:rPr lang="en-US" dirty="0">
@@ -4714,7 +4272,7 @@
                 </a:solidFill>
                 <a:latin typeface="Segoe Print" panose="02000600000000000000" pitchFamily="2" charset="0"/>
               </a:rPr>
-              <a:t>performance increases </a:t>
+              <a:t>preparation time or teaching </a:t>
             </a:r>
             <a:r>
               <a:rPr lang="en-US" dirty="0" smtClean="0">
@@ -4725,8 +4283,10 @@
                 </a:solidFill>
                 <a:latin typeface="Segoe Print" panose="02000600000000000000" pitchFamily="2" charset="0"/>
               </a:rPr>
-              <a:t>with more teacher hours per student.</a:t>
-            </a:r>
+              <a:t>time?</a:t>
+            </a:r>
+          </a:p>
+          <a:p>
             <a:endParaRPr lang="en-US" dirty="0">
               <a:solidFill>
                 <a:schemeClr val="bg1">
@@ -4736,18 +4296,96 @@
               <a:latin typeface="Segoe Print" panose="02000600000000000000" pitchFamily="2" charset="0"/>
             </a:endParaRPr>
           </a:p>
+          <a:p>
+            <a:pPr marL="0" indent="0">
+              <a:buNone/>
+            </a:pPr>
+            <a:r>
+              <a:rPr lang="en-US" dirty="0" smtClean="0">
+                <a:solidFill>
+                  <a:schemeClr val="bg1">
+                    <a:lumMod val="95000"/>
+                  </a:schemeClr>
+                </a:solidFill>
+                <a:latin typeface="Segoe Print" panose="02000600000000000000" pitchFamily="2" charset="0"/>
+              </a:rPr>
+              <a:t>Hypothesis</a:t>
+            </a:r>
+            <a:r>
+              <a:rPr lang="en-US" dirty="0" smtClean="0">
+                <a:solidFill>
+                  <a:schemeClr val="bg1">
+                    <a:lumMod val="95000"/>
+                  </a:schemeClr>
+                </a:solidFill>
+                <a:latin typeface="Segoe Print" panose="02000600000000000000" pitchFamily="2" charset="0"/>
+              </a:rPr>
+              <a:t>:</a:t>
+            </a:r>
+          </a:p>
+          <a:p>
+            <a:pPr lvl="1"/>
+            <a:r>
+              <a:rPr lang="en-US" dirty="0" smtClean="0">
+                <a:solidFill>
+                  <a:schemeClr val="bg1">
+                    <a:lumMod val="95000"/>
+                  </a:schemeClr>
+                </a:solidFill>
+                <a:latin typeface="Segoe Print" panose="02000600000000000000" pitchFamily="2" charset="0"/>
+              </a:rPr>
+              <a:t>Teacher preparation time is a stronger driver of student </a:t>
+            </a:r>
+            <a:r>
+              <a:rPr lang="en-US" dirty="0">
+                <a:solidFill>
+                  <a:schemeClr val="bg1">
+                    <a:lumMod val="95000"/>
+                  </a:schemeClr>
+                </a:solidFill>
+                <a:latin typeface="Segoe Print" panose="02000600000000000000" pitchFamily="2" charset="0"/>
+              </a:rPr>
+              <a:t>performance </a:t>
+            </a:r>
+            <a:r>
+              <a:rPr lang="en-US" dirty="0" smtClean="0">
+                <a:solidFill>
+                  <a:schemeClr val="bg1">
+                    <a:lumMod val="95000"/>
+                  </a:schemeClr>
+                </a:solidFill>
+                <a:latin typeface="Segoe Print" panose="02000600000000000000" pitchFamily="2" charset="0"/>
+              </a:rPr>
+              <a:t>than teaching time.</a:t>
+            </a:r>
+            <a:endParaRPr lang="en-US" dirty="0">
+              <a:solidFill>
+                <a:schemeClr val="bg1">
+                  <a:lumMod val="95000"/>
+                </a:schemeClr>
+              </a:solidFill>
+              <a:latin typeface="Segoe Print" panose="02000600000000000000" pitchFamily="2" charset="0"/>
+            </a:endParaRPr>
+          </a:p>
         </p:txBody>
       </p:sp>
     </p:spTree>
     <p:extLst>
       <p:ext uri="{BB962C8B-B14F-4D97-AF65-F5344CB8AC3E}">
-        <p14:creationId xmlns:p14="http://schemas.microsoft.com/office/powerpoint/2010/main" val="3782426713"/>
+        <p14:creationId xmlns:p14="http://schemas.microsoft.com/office/powerpoint/2010/main" val="410843956"/>
       </p:ext>
     </p:extLst>
   </p:cSld>
   <p:clrMapOvr>
     <a:masterClrMapping/>
   </p:clrMapOvr>
+  <p:timing>
+    <p:tnLst>
+      <p:par>
+        <p:cTn id="1" dur="indefinite" restart="never" nodeType="tmRoot"/>
+      </p:par>
+    </p:tnLst>
+  </p:timing>
 </p:sld>
 </file>
 
@@ -4790,68 +4428,9 @@
                     <a:lumMod val="95000"/>
                   </a:schemeClr>
                 </a:solidFill>
-              </a:rPr>
-              <a:t>Implementation</a:t>
-            </a:r>
-            <a:endParaRPr lang="en-US" dirty="0">
-              <a:solidFill>
-                <a:schemeClr val="bg1">
-                  <a:lumMod val="95000"/>
-                </a:schemeClr>
-              </a:solidFill>
-            </a:endParaRPr>
-          </a:p>
-        </p:txBody>
-      </p:sp>
-      <p:sp>
-        <p:nvSpPr>
-          <p:cNvPr id="3" name="Content Placeholder 2"/>
-          <p:cNvSpPr>
-            <a:spLocks noGrp="1"/>
-          </p:cNvSpPr>
-          <p:nvPr>
-            <p:ph idx="1"/>
-          </p:nvPr>
-        </p:nvSpPr>
-        <p:spPr/>
-        <p:txBody>
-          <a:bodyPr/>
-          <a:lstStyle/>
-          <a:p>
-            <a:r>
-              <a:rPr lang="en-US" dirty="0">
-                <a:solidFill>
-                  <a:schemeClr val="bg1">
-                    <a:lumMod val="95000"/>
-                  </a:schemeClr>
-                </a:solidFill>
-                <a:latin typeface="Segoe Print" panose="02000600000000000000" pitchFamily="2" charset="0"/>
-              </a:rPr>
-              <a:t>Explore OECD </a:t>
-            </a:r>
-            <a:r>
-              <a:rPr lang="en-US" dirty="0" smtClean="0">
-                <a:solidFill>
-                  <a:schemeClr val="bg1">
-                    <a:lumMod val="95000"/>
-                  </a:schemeClr>
-                </a:solidFill>
-                <a:latin typeface="Segoe Print" panose="02000600000000000000" pitchFamily="2" charset="0"/>
-              </a:rPr>
-              <a:t>educational data set</a:t>
-            </a:r>
-          </a:p>
-          <a:p>
-            <a:r>
-              <a:rPr lang="en-US" dirty="0" smtClean="0">
-                <a:solidFill>
-                  <a:schemeClr val="bg1">
-                    <a:lumMod val="95000"/>
-                  </a:schemeClr>
-                </a:solidFill>
-                <a:latin typeface="Segoe Print" panose="02000600000000000000" pitchFamily="2" charset="0"/>
-              </a:rPr>
-              <a:t>Analyze effect of time spent in class</a:t>
+                <a:latin typeface="Segoe Print" panose="02000600000000000000" pitchFamily="2" charset="0"/>
+              </a:rPr>
+              <a:t>Inquiry #3</a:t>
             </a:r>
             <a:endParaRPr lang="en-US" dirty="0">
               <a:solidFill>
@@ -4862,7 +4441,26 @@
               <a:latin typeface="Segoe Print" panose="02000600000000000000" pitchFamily="2" charset="0"/>
             </a:endParaRPr>
           </a:p>
-          <a:p>
+        </p:txBody>
+      </p:sp>
+      <p:sp>
+        <p:nvSpPr>
+          <p:cNvPr id="3" name="Content Placeholder 2"/>
+          <p:cNvSpPr>
+            <a:spLocks noGrp="1"/>
+          </p:cNvSpPr>
+          <p:nvPr>
+            <p:ph idx="1"/>
+          </p:nvPr>
+        </p:nvSpPr>
+        <p:spPr/>
+        <p:txBody>
+          <a:bodyPr/>
+          <a:lstStyle/>
+          <a:p>
+            <a:pPr marL="0" indent="0">
+              <a:buNone/>
+            </a:pPr>
             <a:r>
               <a:rPr lang="en-US" dirty="0" smtClean="0">
                 <a:solidFill>
@@ -4872,44 +4470,7 @@
                 </a:solidFill>
                 <a:latin typeface="Segoe Print" panose="02000600000000000000" pitchFamily="2" charset="0"/>
               </a:rPr>
-              <a:t>Analyze effectiveness of teacher preparation time and teaching time</a:t>
-            </a:r>
-          </a:p>
-          <a:p>
-            <a:r>
-              <a:rPr lang="en-US" dirty="0" smtClean="0">
-                <a:solidFill>
-                  <a:schemeClr val="bg1">
-                    <a:lumMod val="95000"/>
-                  </a:schemeClr>
-                </a:solidFill>
-                <a:latin typeface="Segoe Print" panose="02000600000000000000" pitchFamily="2" charset="0"/>
-              </a:rPr>
-              <a:t>Analyze relationship between teacher-hours per student and academic preparedness</a:t>
-            </a:r>
-          </a:p>
-          <a:p>
-            <a:r>
-              <a:rPr lang="en-US" dirty="0" smtClean="0">
-                <a:solidFill>
-                  <a:schemeClr val="bg1">
-                    <a:lumMod val="95000"/>
-                  </a:schemeClr>
-                </a:solidFill>
-                <a:latin typeface="Segoe Print" panose="02000600000000000000" pitchFamily="2" charset="0"/>
-              </a:rPr>
-              <a:t>Implement findings in educational </a:t>
-            </a:r>
-            <a:r>
-              <a:rPr lang="en-US" dirty="0" smtClean="0">
-                <a:solidFill>
-                  <a:schemeClr val="bg1">
-                    <a:lumMod val="95000"/>
-                  </a:schemeClr>
-                </a:solidFill>
-                <a:latin typeface="Segoe Print" panose="02000600000000000000" pitchFamily="2" charset="0"/>
-              </a:rPr>
-              <a:t>policy</a:t>
+              <a:t>Inquiry: </a:t>
             </a:r>
             <a:endParaRPr lang="en-US" dirty="0" smtClean="0">
               <a:solidFill>
@@ -4920,18 +4481,164 @@
               <a:latin typeface="Segoe Print" panose="02000600000000000000" pitchFamily="2" charset="0"/>
             </a:endParaRPr>
           </a:p>
+          <a:p>
+            <a:pPr lvl="1"/>
+            <a:r>
+              <a:rPr lang="en-US" dirty="0" smtClean="0">
+                <a:solidFill>
+                  <a:schemeClr val="bg1">
+                    <a:lumMod val="95000"/>
+                  </a:schemeClr>
+                </a:solidFill>
+                <a:latin typeface="Segoe Print" panose="02000600000000000000" pitchFamily="2" charset="0"/>
+              </a:rPr>
+              <a:t>What </a:t>
+            </a:r>
+            <a:r>
+              <a:rPr lang="en-US" dirty="0" smtClean="0">
+                <a:solidFill>
+                  <a:schemeClr val="bg1">
+                    <a:lumMod val="95000"/>
+                  </a:schemeClr>
+                </a:solidFill>
+                <a:latin typeface="Segoe Print" panose="02000600000000000000" pitchFamily="2" charset="0"/>
+              </a:rPr>
+              <a:t>is the impact of teacher hours per student on </a:t>
+            </a:r>
+            <a:r>
+              <a:rPr lang="en-US" dirty="0">
+                <a:solidFill>
+                  <a:schemeClr val="bg1">
+                    <a:lumMod val="95000"/>
+                  </a:schemeClr>
+                </a:solidFill>
+                <a:latin typeface="Segoe Print" panose="02000600000000000000" pitchFamily="2" charset="0"/>
+              </a:rPr>
+              <a:t>student </a:t>
+            </a:r>
+            <a:r>
+              <a:rPr lang="en-US" dirty="0" smtClean="0">
+                <a:solidFill>
+                  <a:schemeClr val="bg1">
+                    <a:lumMod val="95000"/>
+                  </a:schemeClr>
+                </a:solidFill>
+                <a:latin typeface="Segoe Print" panose="02000600000000000000" pitchFamily="2" charset="0"/>
+              </a:rPr>
+              <a:t>performance</a:t>
+            </a:r>
+            <a:r>
+              <a:rPr lang="en-US" dirty="0" smtClean="0">
+                <a:solidFill>
+                  <a:schemeClr val="bg1">
+                    <a:lumMod val="95000"/>
+                  </a:schemeClr>
+                </a:solidFill>
+                <a:latin typeface="Segoe Print" panose="02000600000000000000" pitchFamily="2" charset="0"/>
+              </a:rPr>
+              <a:t>?</a:t>
+            </a:r>
+          </a:p>
+          <a:p>
+            <a:endParaRPr lang="en-US" dirty="0">
+              <a:solidFill>
+                <a:schemeClr val="bg1">
+                  <a:lumMod val="95000"/>
+                </a:schemeClr>
+              </a:solidFill>
+              <a:latin typeface="Segoe Print" panose="02000600000000000000" pitchFamily="2" charset="0"/>
+            </a:endParaRPr>
+          </a:p>
+          <a:p>
+            <a:pPr marL="0" indent="0">
+              <a:buNone/>
+            </a:pPr>
+            <a:r>
+              <a:rPr lang="en-US" dirty="0" smtClean="0">
+                <a:solidFill>
+                  <a:schemeClr val="bg1">
+                    <a:lumMod val="95000"/>
+                  </a:schemeClr>
+                </a:solidFill>
+                <a:latin typeface="Segoe Print" panose="02000600000000000000" pitchFamily="2" charset="0"/>
+              </a:rPr>
+              <a:t>Hypothesis</a:t>
+            </a:r>
+            <a:r>
+              <a:rPr lang="en-US" dirty="0" smtClean="0">
+                <a:solidFill>
+                  <a:schemeClr val="bg1">
+                    <a:lumMod val="95000"/>
+                  </a:schemeClr>
+                </a:solidFill>
+                <a:latin typeface="Segoe Print" panose="02000600000000000000" pitchFamily="2" charset="0"/>
+              </a:rPr>
+              <a:t>:</a:t>
+            </a:r>
+          </a:p>
+          <a:p>
+            <a:pPr lvl="1"/>
+            <a:r>
+              <a:rPr lang="en-US" dirty="0" smtClean="0">
+                <a:solidFill>
+                  <a:schemeClr val="bg1">
+                    <a:lumMod val="95000"/>
+                  </a:schemeClr>
+                </a:solidFill>
+                <a:latin typeface="Segoe Print" panose="02000600000000000000" pitchFamily="2" charset="0"/>
+              </a:rPr>
+              <a:t>Student </a:t>
+            </a:r>
+            <a:r>
+              <a:rPr lang="en-US" dirty="0">
+                <a:solidFill>
+                  <a:schemeClr val="bg1">
+                    <a:lumMod val="95000"/>
+                  </a:schemeClr>
+                </a:solidFill>
+                <a:latin typeface="Segoe Print" panose="02000600000000000000" pitchFamily="2" charset="0"/>
+              </a:rPr>
+              <a:t>performance increases </a:t>
+            </a:r>
+            <a:r>
+              <a:rPr lang="en-US" dirty="0" smtClean="0">
+                <a:solidFill>
+                  <a:schemeClr val="bg1">
+                    <a:lumMod val="95000"/>
+                  </a:schemeClr>
+                </a:solidFill>
+                <a:latin typeface="Segoe Print" panose="02000600000000000000" pitchFamily="2" charset="0"/>
+              </a:rPr>
+              <a:t>with more teacher hours per student.</a:t>
+            </a:r>
+            <a:endParaRPr lang="en-US" dirty="0">
+              <a:solidFill>
+                <a:schemeClr val="bg1">
+                  <a:lumMod val="95000"/>
+                </a:schemeClr>
+              </a:solidFill>
+              <a:latin typeface="Segoe Print" panose="02000600000000000000" pitchFamily="2" charset="0"/>
+            </a:endParaRPr>
+          </a:p>
         </p:txBody>
       </p:sp>
     </p:spTree>
     <p:extLst>
       <p:ext uri="{BB962C8B-B14F-4D97-AF65-F5344CB8AC3E}">
-        <p14:creationId xmlns:p14="http://schemas.microsoft.com/office/powerpoint/2010/main" val="4054419581"/>
+        <p14:creationId xmlns:p14="http://schemas.microsoft.com/office/powerpoint/2010/main" val="3782426713"/>
       </p:ext>
     </p:extLst>
   </p:cSld>
   <p:clrMapOvr>
     <a:masterClrMapping/>
   </p:clrMapOvr>
+  <p:timing>
+    <p:tnLst>
+      <p:par>
+        <p:cTn id="1" dur="indefinite" restart="never" nodeType="tmRoot"/>
+      </p:par>
+    </p:tnLst>
+  </p:timing>
 </p:sld>
 </file>
 
@@ -4954,6 +4661,386 @@
       </p:grpSpPr>
       <p:sp>
         <p:nvSpPr>
+          <p:cNvPr id="2" name="Title 1"/>
+          <p:cNvSpPr>
+            <a:spLocks noGrp="1"/>
+          </p:cNvSpPr>
+          <p:nvPr>
+            <p:ph type="title"/>
+          </p:nvPr>
+        </p:nvSpPr>
+        <p:spPr/>
+        <p:txBody>
+          <a:bodyPr/>
+          <a:lstStyle/>
+          <a:p>
+            <a:r>
+              <a:rPr lang="en-US" dirty="0" smtClean="0">
+                <a:solidFill>
+                  <a:schemeClr val="bg1">
+                    <a:lumMod val="95000"/>
+                  </a:schemeClr>
+                </a:solidFill>
+                <a:latin typeface="Segoe Print" panose="02000600000000000000" pitchFamily="2" charset="0"/>
+              </a:rPr>
+              <a:t>Inquiry </a:t>
+            </a:r>
+            <a:r>
+              <a:rPr lang="en-US" dirty="0" smtClean="0">
+                <a:solidFill>
+                  <a:schemeClr val="bg1">
+                    <a:lumMod val="95000"/>
+                  </a:schemeClr>
+                </a:solidFill>
+                <a:latin typeface="Segoe Print" panose="02000600000000000000" pitchFamily="2" charset="0"/>
+              </a:rPr>
+              <a:t>#4</a:t>
+            </a:r>
+            <a:endParaRPr lang="en-US" dirty="0">
+              <a:solidFill>
+                <a:schemeClr val="bg1">
+                  <a:lumMod val="95000"/>
+                </a:schemeClr>
+              </a:solidFill>
+              <a:latin typeface="Segoe Print" panose="02000600000000000000" pitchFamily="2" charset="0"/>
+            </a:endParaRPr>
+          </a:p>
+        </p:txBody>
+      </p:sp>
+      <p:sp>
+        <p:nvSpPr>
+          <p:cNvPr id="3" name="Content Placeholder 2"/>
+          <p:cNvSpPr>
+            <a:spLocks noGrp="1"/>
+          </p:cNvSpPr>
+          <p:nvPr>
+            <p:ph idx="1"/>
+          </p:nvPr>
+        </p:nvSpPr>
+        <p:spPr/>
+        <p:txBody>
+          <a:bodyPr/>
+          <a:lstStyle/>
+          <a:p>
+            <a:pPr marL="0" indent="0">
+              <a:buNone/>
+            </a:pPr>
+            <a:r>
+              <a:rPr lang="en-US" dirty="0" smtClean="0">
+                <a:solidFill>
+                  <a:schemeClr val="bg1">
+                    <a:lumMod val="95000"/>
+                  </a:schemeClr>
+                </a:solidFill>
+                <a:latin typeface="Segoe Print" panose="02000600000000000000" pitchFamily="2" charset="0"/>
+              </a:rPr>
+              <a:t>Inquiry: </a:t>
+            </a:r>
+            <a:endParaRPr lang="en-US" dirty="0" smtClean="0">
+              <a:solidFill>
+                <a:schemeClr val="bg1">
+                  <a:lumMod val="95000"/>
+                </a:schemeClr>
+              </a:solidFill>
+              <a:latin typeface="Segoe Print" panose="02000600000000000000" pitchFamily="2" charset="0"/>
+            </a:endParaRPr>
+          </a:p>
+          <a:p>
+            <a:pPr lvl="1"/>
+            <a:r>
+              <a:rPr lang="en-US" dirty="0" smtClean="0">
+                <a:solidFill>
+                  <a:schemeClr val="bg1">
+                    <a:lumMod val="95000"/>
+                  </a:schemeClr>
+                </a:solidFill>
+                <a:latin typeface="Segoe Print" panose="02000600000000000000" pitchFamily="2" charset="0"/>
+              </a:rPr>
+              <a:t>Is there a change in the relationship between teacher hours per student and student performance when the data is segmented into wealthy and less wealthy countries</a:t>
+            </a:r>
+            <a:r>
+              <a:rPr lang="en-US" dirty="0" smtClean="0">
+                <a:solidFill>
+                  <a:schemeClr val="bg1">
+                    <a:lumMod val="95000"/>
+                  </a:schemeClr>
+                </a:solidFill>
+                <a:latin typeface="Segoe Print" panose="02000600000000000000" pitchFamily="2" charset="0"/>
+              </a:rPr>
+              <a:t>?</a:t>
+            </a:r>
+          </a:p>
+          <a:p>
+            <a:endParaRPr lang="en-US" dirty="0">
+              <a:solidFill>
+                <a:schemeClr val="bg1">
+                  <a:lumMod val="95000"/>
+                </a:schemeClr>
+              </a:solidFill>
+              <a:latin typeface="Segoe Print" panose="02000600000000000000" pitchFamily="2" charset="0"/>
+            </a:endParaRPr>
+          </a:p>
+          <a:p>
+            <a:pPr marL="0" indent="0">
+              <a:buNone/>
+            </a:pPr>
+            <a:r>
+              <a:rPr lang="en-US" dirty="0" smtClean="0">
+                <a:solidFill>
+                  <a:schemeClr val="bg1">
+                    <a:lumMod val="95000"/>
+                  </a:schemeClr>
+                </a:solidFill>
+                <a:latin typeface="Segoe Print" panose="02000600000000000000" pitchFamily="2" charset="0"/>
+              </a:rPr>
+              <a:t>Hypothesis</a:t>
+            </a:r>
+            <a:r>
+              <a:rPr lang="en-US" dirty="0" smtClean="0">
+                <a:solidFill>
+                  <a:schemeClr val="bg1">
+                    <a:lumMod val="95000"/>
+                  </a:schemeClr>
+                </a:solidFill>
+                <a:latin typeface="Segoe Print" panose="02000600000000000000" pitchFamily="2" charset="0"/>
+              </a:rPr>
+              <a:t>:</a:t>
+            </a:r>
+          </a:p>
+          <a:p>
+            <a:pPr lvl="1"/>
+            <a:r>
+              <a:rPr lang="en-US" dirty="0" smtClean="0">
+                <a:solidFill>
+                  <a:schemeClr val="bg1">
+                    <a:lumMod val="95000"/>
+                  </a:schemeClr>
+                </a:solidFill>
+                <a:latin typeface="Segoe Print" panose="02000600000000000000" pitchFamily="2" charset="0"/>
+              </a:rPr>
+              <a:t>Teacher hours per student have greater impact in less wealthy countries.</a:t>
+            </a:r>
+            <a:endParaRPr lang="en-US" dirty="0">
+              <a:solidFill>
+                <a:schemeClr val="bg1">
+                  <a:lumMod val="95000"/>
+                </a:schemeClr>
+              </a:solidFill>
+              <a:latin typeface="Segoe Print" panose="02000600000000000000" pitchFamily="2" charset="0"/>
+            </a:endParaRPr>
+          </a:p>
+        </p:txBody>
+      </p:sp>
+    </p:spTree>
+    <p:extLst>
+      <p:ext uri="{BB962C8B-B14F-4D97-AF65-F5344CB8AC3E}">
+        <p14:creationId xmlns:p14="http://schemas.microsoft.com/office/powerpoint/2010/main" val="2412029422"/>
+      </p:ext>
+    </p:extLst>
+  </p:cSld>
+  <p:clrMapOvr>
+    <a:masterClrMapping/>
+  </p:clrMapOvr>
+  <p:timing>
+    <p:tnLst>
+      <p:par>
+        <p:cTn id="1" dur="indefinite" restart="never" nodeType="tmRoot"/>
+      </p:par>
+    </p:tnLst>
+  </p:timing>
+</p:sld>
+</file>
+
+<file path=ppt/slides/slide8.xml><?xml version="1.0" encoding="utf-8"?>
+<p:sld xmlns:a="http://schemas.openxmlformats.org/drawingml/2006/main" xmlns:r="http://schemas.openxmlformats.org/officeDocument/2006/relationships" xmlns:p="http://schemas.openxmlformats.org/presentationml/2006/main">
+  <p:cSld>
+    <p:spTree>
+      <p:nvGrpSpPr>
+        <p:cNvPr id="1" name=""/>
+        <p:cNvGrpSpPr/>
+        <p:nvPr/>
+      </p:nvGrpSpPr>
+      <p:grpSpPr>
+        <a:xfrm>
+          <a:off x="0" y="0"/>
+          <a:ext cx="0" cy="0"/>
+          <a:chOff x="0" y="0"/>
+          <a:chExt cx="0" cy="0"/>
+        </a:xfrm>
+      </p:grpSpPr>
+      <p:sp>
+        <p:nvSpPr>
+          <p:cNvPr id="2" name="Title 1"/>
+          <p:cNvSpPr>
+            <a:spLocks noGrp="1"/>
+          </p:cNvSpPr>
+          <p:nvPr>
+            <p:ph type="title"/>
+          </p:nvPr>
+        </p:nvSpPr>
+        <p:spPr/>
+        <p:txBody>
+          <a:bodyPr/>
+          <a:lstStyle/>
+          <a:p>
+            <a:r>
+              <a:rPr lang="en-US" dirty="0" smtClean="0">
+                <a:solidFill>
+                  <a:schemeClr val="bg1">
+                    <a:lumMod val="95000"/>
+                  </a:schemeClr>
+                </a:solidFill>
+                <a:latin typeface="Segoe Print" panose="02000600000000000000" pitchFamily="2" charset="0"/>
+              </a:rPr>
+              <a:t>Implementation</a:t>
+            </a:r>
+            <a:endParaRPr lang="en-US" dirty="0">
+              <a:solidFill>
+                <a:schemeClr val="bg1">
+                  <a:lumMod val="95000"/>
+                </a:schemeClr>
+              </a:solidFill>
+              <a:latin typeface="Segoe Print" panose="02000600000000000000" pitchFamily="2" charset="0"/>
+            </a:endParaRPr>
+          </a:p>
+        </p:txBody>
+      </p:sp>
+      <p:sp>
+        <p:nvSpPr>
+          <p:cNvPr id="3" name="Content Placeholder 2"/>
+          <p:cNvSpPr>
+            <a:spLocks noGrp="1"/>
+          </p:cNvSpPr>
+          <p:nvPr>
+            <p:ph idx="1"/>
+          </p:nvPr>
+        </p:nvSpPr>
+        <p:spPr/>
+        <p:txBody>
+          <a:bodyPr/>
+          <a:lstStyle/>
+          <a:p>
+            <a:r>
+              <a:rPr lang="en-US" dirty="0">
+                <a:solidFill>
+                  <a:schemeClr val="bg1">
+                    <a:lumMod val="95000"/>
+                  </a:schemeClr>
+                </a:solidFill>
+                <a:latin typeface="Segoe Print" panose="02000600000000000000" pitchFamily="2" charset="0"/>
+              </a:rPr>
+              <a:t>Explore OECD </a:t>
+            </a:r>
+            <a:r>
+              <a:rPr lang="en-US" dirty="0" smtClean="0">
+                <a:solidFill>
+                  <a:schemeClr val="bg1">
+                    <a:lumMod val="95000"/>
+                  </a:schemeClr>
+                </a:solidFill>
+                <a:latin typeface="Segoe Print" panose="02000600000000000000" pitchFamily="2" charset="0"/>
+              </a:rPr>
+              <a:t>educational data set</a:t>
+            </a:r>
+          </a:p>
+          <a:p>
+            <a:endParaRPr lang="en-US" dirty="0" smtClean="0">
+              <a:solidFill>
+                <a:schemeClr val="bg1">
+                  <a:lumMod val="95000"/>
+                </a:schemeClr>
+              </a:solidFill>
+              <a:latin typeface="Segoe Print" panose="02000600000000000000" pitchFamily="2" charset="0"/>
+            </a:endParaRPr>
+          </a:p>
+          <a:p>
+            <a:r>
+              <a:rPr lang="en-US" dirty="0" smtClean="0">
+                <a:solidFill>
+                  <a:schemeClr val="bg1">
+                    <a:lumMod val="95000"/>
+                  </a:schemeClr>
+                </a:solidFill>
+                <a:latin typeface="Segoe Print" panose="02000600000000000000" pitchFamily="2" charset="0"/>
+              </a:rPr>
+              <a:t>Analyze relationships outlined above</a:t>
+            </a:r>
+          </a:p>
+          <a:p>
+            <a:endParaRPr lang="en-US" dirty="0" smtClean="0">
+              <a:solidFill>
+                <a:schemeClr val="bg1">
+                  <a:lumMod val="95000"/>
+                </a:schemeClr>
+              </a:solidFill>
+              <a:latin typeface="Segoe Print" panose="02000600000000000000" pitchFamily="2" charset="0"/>
+            </a:endParaRPr>
+          </a:p>
+          <a:p>
+            <a:r>
+              <a:rPr lang="en-US" dirty="0" smtClean="0">
+                <a:solidFill>
+                  <a:schemeClr val="bg1">
+                    <a:lumMod val="95000"/>
+                  </a:schemeClr>
+                </a:solidFill>
+                <a:latin typeface="Segoe Print" panose="02000600000000000000" pitchFamily="2" charset="0"/>
+              </a:rPr>
+              <a:t>Implement </a:t>
+            </a:r>
+            <a:r>
+              <a:rPr lang="en-US" dirty="0" smtClean="0">
+                <a:solidFill>
+                  <a:schemeClr val="bg1">
+                    <a:lumMod val="95000"/>
+                  </a:schemeClr>
+                </a:solidFill>
+                <a:latin typeface="Segoe Print" panose="02000600000000000000" pitchFamily="2" charset="0"/>
+              </a:rPr>
+              <a:t>findings in educational policy</a:t>
+            </a:r>
+          </a:p>
+        </p:txBody>
+      </p:sp>
+    </p:spTree>
+    <p:extLst>
+      <p:ext uri="{BB962C8B-B14F-4D97-AF65-F5344CB8AC3E}">
+        <p14:creationId xmlns:p14="http://schemas.microsoft.com/office/powerpoint/2010/main" val="4054419581"/>
+      </p:ext>
+    </p:extLst>
+  </p:cSld>
+  <p:clrMapOvr>
+    <a:masterClrMapping/>
+  </p:clrMapOvr>
+  <p:timing>
+    <p:tnLst>
+      <p:par>
+        <p:cTn id="1" dur="indefinite" restart="never" nodeType="tmRoot"/>
+      </p:par>
+    </p:tnLst>
+  </p:timing>
+</p:sld>
+</file>
+
+<file path=ppt/slides/slide9.xml><?xml version="1.0" encoding="utf-8"?>
+<p:sld xmlns:a="http://schemas.openxmlformats.org/drawingml/2006/main" xmlns:r="http://schemas.openxmlformats.org/officeDocument/2006/relationships" xmlns:p="http://schemas.openxmlformats.org/presentationml/2006/main">
+  <p:cSld>
+    <p:spTree>
+      <p:nvGrpSpPr>
+        <p:cNvPr id="1" name=""/>
+        <p:cNvGrpSpPr/>
+        <p:nvPr/>
+      </p:nvGrpSpPr>
+      <p:grpSpPr>
+        <a:xfrm>
+          <a:off x="0" y="0"/>
+          <a:ext cx="0" cy="0"/>
+          <a:chOff x="0" y="0"/>
+          <a:chExt cx="0" cy="0"/>
+        </a:xfrm>
+      </p:grpSpPr>
+      <p:sp>
+        <p:nvSpPr>
           <p:cNvPr id="3" name="Content Placeholder 2"/>
           <p:cNvSpPr>
             <a:spLocks noGrp="1"/>
@@ -5102,6 +5189,13 @@
   <p:clrMapOvr>
     <a:masterClrMapping/>
   </p:clrMapOvr>
+  <p:timing>
+    <p:tnLst>
+      <p:par>
+        <p:cTn id="1" dur="indefinite" restart="never" nodeType="tmRoot"/>
+      </p:par>
+    </p:tnLst>
+  </p:timing>
 </p:sld>
 </file>
 
@@ -5821,324 +5915,4 @@
     </a:extraClrScheme>
   </a:extraClrSchemeLst>
 </a:theme>
-</file>
-
-<file path=ppt/theme/theme2.xml><?xml version="1.0" encoding="utf-8"?>
-<a:theme xmlns:a="http://schemas.openxmlformats.org/drawingml/2006/main" name="Office Theme">
-  <a:themeElements>
-    <a:clrScheme name="Office">
-      <a:dk1>
-        <a:sysClr val="windowText" lastClr="000000"/>
-      </a:dk1>
-      <a:lt1>
-        <a:sysClr val="window" lastClr="FFFFFF"/>
-      </a:lt1>
-      <a:dk2>
-        <a:srgbClr val="1F497D"/>
-      </a:dk2>
-      <a:lt2>
-        <a:srgbClr val="EEECE1"/>
-      </a:lt2>
-      <a:accent1>
-        <a:srgbClr val="4F81BD"/>
-      </a:accent1>
-      <a:accent2>
-        <a:srgbClr val="C0504D"/>
-      </a:accent2>
-      <a:accent3>
-        <a:srgbClr val="9BBB59"/>
-      </a:accent3>
-      <a:accent4>
-        <a:srgbClr val="8064A2"/>
-      </a:accent4>
-      <a:accent5>
-        <a:srgbClr val="4BACC6"/>
-      </a:accent5>
-      <a:accent6>
-        <a:srgbClr val="F79646"/>
-      </a:accent6>
-      <a:hlink>
-        <a:srgbClr val="0000FF"/>
-      </a:hlink>
-      <a:folHlink>
-        <a:srgbClr val="800080"/>
-      </a:folHlink>
-    </a:clrScheme>
-    <a:fontScheme name="Office">
-      <a:majorFont>
-        <a:latin typeface="Calibri"/>
-        <a:ea typeface=""/>
-        <a:cs typeface=""/>
-        <a:font script="Jpan" typeface="ＭＳ Ｐゴシック"/>
-        <a:font script="Hang" typeface="맑은 고딕"/>
-        <a:font script="Hans" typeface="宋体"/>
-        <a:font script="Hant" typeface="新細明體"/>
-        <a:font script="Arab" typeface="Times New Roman"/>
-        <a:font script="Hebr" typeface="Times New Roman"/>
-        <a:font script="Thai" typeface="Angsana New"/>
-        <a:font script="Ethi" typeface="Nyala"/>
-        <a:font script="Beng" typeface="Vrinda"/>
-        <a:font script="Gujr" typeface="Shruti"/>
-        <a:font script="Khmr" typeface="MoolBoran"/>
-        <a:font script="Knda" typeface="Tunga"/>
-        <a:font script="Guru" typeface="Raavi"/>
-        <a:font script="Cans" typeface="Euphemia"/>
-        <a:font script="Cher" typeface="Plantagenet Cherokee"/>
-        <a:font script="Yiii" typeface="Microsoft Yi Baiti"/>
-        <a:font script="Tibt" typeface="Microsoft Himalaya"/>
-        <a:font script="Thaa" typeface="MV Boli"/>
-        <a:font script="Deva" typeface="Mangal"/>
-        <a:font script="Telu" typeface="Gautami"/>
-        <a:font script="Taml" typeface="Latha"/>
-        <a:font script="Syrc" typeface="Estrangelo Edessa"/>
-        <a:font script="Orya" typeface="Kalinga"/>
-        <a:font script="Mlym" typeface="Kartika"/>
-        <a:font script="Laoo" typeface="DokChampa"/>
-        <a:font script="Sinh" typeface="Iskoola Pota"/>
-        <a:font script="Mong" typeface="Mongolian Baiti"/>
-        <a:font script="Viet" typeface="Times New Roman"/>
-        <a:font script="Uigh" typeface="Microsoft Uighur"/>
-        <a:font script="Geor" typeface="Sylfaen"/>
-      </a:majorFont>
-      <a:minorFont>
-        <a:latin typeface="Calibri"/>
-        <a:ea typeface=""/>
-        <a:cs typeface=""/>
-        <a:font script="Jpan" typeface="ＭＳ Ｐゴシック"/>
-        <a:font script="Hang" typeface="맑은 고딕"/>
-        <a:font script="Hans" typeface="宋体"/>
-        <a:font script="Hant" typeface="新細明體"/>
-        <a:font script="Arab" typeface="Arial"/>
-        <a:font script="Hebr" typeface="Arial"/>
-        <a:font script="Thai" typeface="Cordia New"/>
-        <a:font script="Ethi" typeface="Nyala"/>
-        <a:font script="Beng" typeface="Vrinda"/>
-        <a:font script="Gujr" typeface="Shruti"/>
-        <a:font script="Khmr" typeface="DaunPenh"/>
-        <a:font script="Knda" typeface="Tunga"/>
-        <a:font script="Guru" typeface="Raavi"/>
-        <a:font script="Cans" typeface="Euphemia"/>
-        <a:font script="Cher" typeface="Plantagenet Cherokee"/>
-        <a:font script="Yiii" typeface="Microsoft Yi Baiti"/>
-        <a:font script="Tibt" typeface="Microsoft Himalaya"/>
-        <a:font script="Thaa" typeface="MV Boli"/>
-        <a:font script="Deva" typeface="Mangal"/>
-        <a:font script="Telu" typeface="Gautami"/>
-        <a:font script="Taml" typeface="Latha"/>
-        <a:font script="Syrc" typeface="Estrangelo Edessa"/>
-        <a:font script="Orya" typeface="Kalinga"/>
-        <a:font script="Mlym" typeface="Kartika"/>
-        <a:font script="Laoo" typeface="DokChampa"/>
-        <a:font script="Sinh" typeface="Iskoola Pota"/>
-        <a:font script="Mong" typeface="Mongolian Baiti"/>
-        <a:font script="Viet" typeface="Arial"/>
-        <a:font script="Uigh" typeface="Microsoft Uighur"/>
-        <a:font script="Geor" typeface="Sylfaen"/>
-      </a:minorFont>
-    </a:fontScheme>
-    <a:fmtScheme name="Office">
-      <a:fillStyleLst>
-        <a:solidFill>
-          <a:schemeClr val="phClr"/>
-        </a:solidFill>
-        <a:gradFill rotWithShape="1">
-          <a:gsLst>
-            <a:gs pos="0">
-              <a:schemeClr val="phClr">
-                <a:tint val="50000"/>
-                <a:satMod val="300000"/>
-              </a:schemeClr>
-            </a:gs>
-            <a:gs pos="35000">
-              <a:schemeClr val="phClr">
-                <a:tint val="37000"/>
-                <a:satMod val="300000"/>
-              </a:schemeClr>
-            </a:gs>
-            <a:gs pos="100000">
-              <a:schemeClr val="phClr">
-                <a:tint val="15000"/>
-                <a:satMod val="350000"/>
-              </a:schemeClr>
-            </a:gs>
-          </a:gsLst>
-          <a:lin ang="16200000" scaled="1"/>
-        </a:gradFill>
-        <a:gradFill rotWithShape="1">
-          <a:gsLst>
-            <a:gs pos="0">
-              <a:schemeClr val="phClr">
-                <a:tint val="100000"/>
-                <a:shade val="100000"/>
-                <a:satMod val="130000"/>
-              </a:schemeClr>
-            </a:gs>
-            <a:gs pos="100000">
-              <a:schemeClr val="phClr">
-                <a:tint val="50000"/>
-                <a:shade val="100000"/>
-                <a:satMod val="350000"/>
-              </a:schemeClr>
-            </a:gs>
-          </a:gsLst>
-          <a:lin ang="16200000" scaled="0"/>
-        </a:gradFill>
-      </a:fillStyleLst>
-      <a:lnStyleLst>
-        <a:ln w="9525" cap="flat" cmpd="sng" algn="ctr">
-          <a:solidFill>
-            <a:schemeClr val="phClr">
-              <a:shade val="95000"/>
-              <a:satMod val="105000"/>
-            </a:schemeClr>
-          </a:solidFill>
-          <a:prstDash val="solid"/>
-        </a:ln>
-        <a:ln w="25400" cap="flat" cmpd="sng" algn="ctr">
-          <a:solidFill>
-            <a:schemeClr val="phClr"/>
-          </a:solidFill>
-          <a:prstDash val="solid"/>
-        </a:ln>
-        <a:ln w="38100" cap="flat" cmpd="sng" algn="ctr">
-          <a:solidFill>
-            <a:schemeClr val="phClr"/>
-          </a:solidFill>
-          <a:prstDash val="solid"/>
-        </a:ln>
-      </a:lnStyleLst>
-      <a:effectStyleLst>
-        <a:effectStyle>
-          <a:effectLst>
-            <a:outerShdw blurRad="40000" dist="20000" dir="5400000" rotWithShape="0">
-              <a:srgbClr val="000000">
-                <a:alpha val="38000"/>
-              </a:srgbClr>
-            </a:outerShdw>
-          </a:effectLst>
-        </a:effectStyle>
-        <a:effectStyle>
-          <a:effectLst>
-            <a:outerShdw blurRad="40000" dist="23000" dir="5400000" rotWithShape="0">
-              <a:srgbClr val="000000">
-                <a:alpha val="35000"/>
-              </a:srgbClr>
-            </a:outerShdw>
-          </a:effectLst>
-        </a:effectStyle>
-        <a:effectStyle>
-          <a:effectLst>
-            <a:outerShdw blurRad="40000" dist="23000" dir="5400000" rotWithShape="0">
-              <a:srgbClr val="000000">
-                <a:alpha val="35000"/>
-              </a:srgbClr>
-            </a:outerShdw>
-          </a:effectLst>
-          <a:scene3d>
-            <a:camera prst="orthographicFront">
-              <a:rot lat="0" lon="0" rev="0"/>
-            </a:camera>
-            <a:lightRig rig="threePt" dir="t">
-              <a:rot lat="0" lon="0" rev="1200000"/>
-            </a:lightRig>
-          </a:scene3d>
-          <a:sp3d>
-            <a:bevelT w="63500" h="25400"/>
-          </a:sp3d>
-        </a:effectStyle>
-      </a:effectStyleLst>
-      <a:bgFillStyleLst>
-        <a:solidFill>
-          <a:schemeClr val="phClr"/>
-        </a:solidFill>
-        <a:gradFill rotWithShape="1">
-          <a:gsLst>
-            <a:gs pos="0">
-              <a:schemeClr val="phClr">
-                <a:tint val="40000"/>
-                <a:satMod val="350000"/>
-              </a:schemeClr>
-            </a:gs>
-            <a:gs pos="40000">
-              <a:schemeClr val="phClr">
-                <a:tint val="45000"/>
-                <a:shade val="99000"/>
-                <a:satMod val="350000"/>
-              </a:schemeClr>
-            </a:gs>
-            <a:gs pos="100000">
-              <a:schemeClr val="phClr">
-                <a:shade val="20000"/>
-                <a:satMod val="255000"/>
-              </a:schemeClr>
-            </a:gs>
-          </a:gsLst>
-          <a:path path="circle">
-            <a:fillToRect l="50000" t="-80000" r="50000" b="180000"/>
-          </a:path>
-        </a:gradFill>
-        <a:gradFill rotWithShape="1">
-          <a:gsLst>
-            <a:gs pos="0">
-              <a:schemeClr val="phClr">
-                <a:tint val="80000"/>
-                <a:satMod val="300000"/>
-              </a:schemeClr>
-            </a:gs>
-            <a:gs pos="100000">
-              <a:schemeClr val="phClr">
-                <a:shade val="30000"/>
-                <a:satMod val="200000"/>
-              </a:schemeClr>
-            </a:gs>
-          </a:gsLst>
-          <a:path path="circle">
-            <a:fillToRect l="50000" t="50000" r="50000" b="50000"/>
-          </a:path>
-        </a:gradFill>
-      </a:bgFillStyleLst>
-    </a:fmtScheme>
-  </a:themeElements>
-  <a:objectDefaults>
-    <a:spDef>
-      <a:spPr/>
-      <a:bodyPr/>
-      <a:lstStyle/>
-      <a:style>
-        <a:lnRef idx="1">
-          <a:schemeClr val="accent1"/>
-        </a:lnRef>
-        <a:fillRef idx="3">
-          <a:schemeClr val="accent1"/>
-        </a:fillRef>
-        <a:effectRef idx="2">
-          <a:schemeClr val="accent1"/>
-        </a:effectRef>
-        <a:fontRef idx="minor">
-          <a:schemeClr val="lt1"/>
-        </a:fontRef>
-      </a:style>
-    </a:spDef>
-    <a:lnDef>
-      <a:spPr/>
-      <a:bodyPr/>
-      <a:lstStyle/>
-      <a:style>
-        <a:lnRef idx="2">
-          <a:schemeClr val="accent1"/>
-        </a:lnRef>
-        <a:fillRef idx="0">
-          <a:schemeClr val="accent1"/>
-        </a:fillRef>
-        <a:effectRef idx="1">
-          <a:schemeClr val="accent1"/>
-        </a:effectRef>
-        <a:fontRef idx="minor">
-          <a:schemeClr val="tx1"/>
-        </a:fontRef>
-      </a:style>
-    </a:lnDef>
-  </a:objectDefaults>
-  <a:extraClrSchemeLst/>
-</a:theme>
 </file>